--- a/Best School Finder.pptx
+++ b/Best School Finder.pptx
@@ -291,7 +291,7 @@
           <a:p>
             <a:fld id="{92D17416-22DE-4542-8647-82DC7CAF1311}" type="datetimeFigureOut">
               <a:rPr lang="en-US" smtClean="0"/>
-              <a:t>1/8/2019</a:t>
+              <a:t>1/11/2019</a:t>
             </a:fld>
             <a:endParaRPr lang="en-US"/>
           </a:p>
@@ -461,7 +461,7 @@
           <a:p>
             <a:fld id="{92D17416-22DE-4542-8647-82DC7CAF1311}" type="datetimeFigureOut">
               <a:rPr lang="en-US" smtClean="0"/>
-              <a:t>1/8/2019</a:t>
+              <a:t>1/11/2019</a:t>
             </a:fld>
             <a:endParaRPr lang="en-US"/>
           </a:p>
@@ -641,7 +641,7 @@
           <a:p>
             <a:fld id="{92D17416-22DE-4542-8647-82DC7CAF1311}" type="datetimeFigureOut">
               <a:rPr lang="en-US" smtClean="0"/>
-              <a:t>1/8/2019</a:t>
+              <a:t>1/11/2019</a:t>
             </a:fld>
             <a:endParaRPr lang="en-US"/>
           </a:p>
@@ -811,7 +811,7 @@
           <a:p>
             <a:fld id="{92D17416-22DE-4542-8647-82DC7CAF1311}" type="datetimeFigureOut">
               <a:rPr lang="en-US" smtClean="0"/>
-              <a:t>1/8/2019</a:t>
+              <a:t>1/11/2019</a:t>
             </a:fld>
             <a:endParaRPr lang="en-US"/>
           </a:p>
@@ -1057,7 +1057,7 @@
           <a:p>
             <a:fld id="{92D17416-22DE-4542-8647-82DC7CAF1311}" type="datetimeFigureOut">
               <a:rPr lang="en-US" smtClean="0"/>
-              <a:t>1/8/2019</a:t>
+              <a:t>1/11/2019</a:t>
             </a:fld>
             <a:endParaRPr lang="en-US"/>
           </a:p>
@@ -1345,7 +1345,7 @@
           <a:p>
             <a:fld id="{92D17416-22DE-4542-8647-82DC7CAF1311}" type="datetimeFigureOut">
               <a:rPr lang="en-US" smtClean="0"/>
-              <a:t>1/8/2019</a:t>
+              <a:t>1/11/2019</a:t>
             </a:fld>
             <a:endParaRPr lang="en-US"/>
           </a:p>
@@ -1767,7 +1767,7 @@
           <a:p>
             <a:fld id="{92D17416-22DE-4542-8647-82DC7CAF1311}" type="datetimeFigureOut">
               <a:rPr lang="en-US" smtClean="0"/>
-              <a:t>1/8/2019</a:t>
+              <a:t>1/11/2019</a:t>
             </a:fld>
             <a:endParaRPr lang="en-US"/>
           </a:p>
@@ -1885,7 +1885,7 @@
           <a:p>
             <a:fld id="{92D17416-22DE-4542-8647-82DC7CAF1311}" type="datetimeFigureOut">
               <a:rPr lang="en-US" smtClean="0"/>
-              <a:t>1/8/2019</a:t>
+              <a:t>1/11/2019</a:t>
             </a:fld>
             <a:endParaRPr lang="en-US"/>
           </a:p>
@@ -1980,7 +1980,7 @@
           <a:p>
             <a:fld id="{92D17416-22DE-4542-8647-82DC7CAF1311}" type="datetimeFigureOut">
               <a:rPr lang="en-US" smtClean="0"/>
-              <a:t>1/8/2019</a:t>
+              <a:t>1/11/2019</a:t>
             </a:fld>
             <a:endParaRPr lang="en-US"/>
           </a:p>
@@ -2257,7 +2257,7 @@
           <a:p>
             <a:fld id="{92D17416-22DE-4542-8647-82DC7CAF1311}" type="datetimeFigureOut">
               <a:rPr lang="en-US" smtClean="0"/>
-              <a:t>1/8/2019</a:t>
+              <a:t>1/11/2019</a:t>
             </a:fld>
             <a:endParaRPr lang="en-US"/>
           </a:p>
@@ -2510,7 +2510,7 @@
           <a:p>
             <a:fld id="{92D17416-22DE-4542-8647-82DC7CAF1311}" type="datetimeFigureOut">
               <a:rPr lang="en-US" smtClean="0"/>
-              <a:t>1/8/2019</a:t>
+              <a:t>1/11/2019</a:t>
             </a:fld>
             <a:endParaRPr lang="en-US"/>
           </a:p>
@@ -2723,7 +2723,7 @@
           <a:p>
             <a:fld id="{92D17416-22DE-4542-8647-82DC7CAF1311}" type="datetimeFigureOut">
               <a:rPr lang="en-US" smtClean="0"/>
-              <a:t>1/8/2019</a:t>
+              <a:t>1/11/2019</a:t>
             </a:fld>
             <a:endParaRPr lang="en-US"/>
           </a:p>
@@ -3223,7 +3223,9 @@
         </p:nvSpPr>
         <p:spPr/>
         <p:txBody>
-          <a:bodyPr/>
+          <a:bodyPr>
+            <a:normAutofit/>
+          </a:bodyPr>
           <a:lstStyle/>
           <a:p>
             <a:r>
@@ -3234,10 +3236,14 @@
           <a:p>
             <a:pPr lvl="1"/>
             <a:r>
-              <a:rPr lang="en-US" dirty="0" smtClean="0"/>
-              <a:t>To find best school for new immigrant in town for their kids</a:t>
-            </a:r>
-            <a:endParaRPr lang="en-US" dirty="0"/>
+              <a:rPr lang="en-US" sz="2400" dirty="0"/>
+              <a:t>We will test how many Schools are clustered in the Saint John, NB area. The location of nearby School in a specific radius, what is their rating and what are general views of public about it. This problem usually has to face parent when they are looking good school for their kids in their neighborhood specially those who are newly migrated from other countries and even other regions of Canada</a:t>
+            </a:r>
+            <a:r>
+              <a:rPr lang="en-US" sz="2400" dirty="0" smtClean="0"/>
+              <a:t>.</a:t>
+            </a:r>
+            <a:endParaRPr lang="en-US" sz="2400" dirty="0"/>
           </a:p>
         </p:txBody>
       </p:sp>
@@ -3321,36 +3327,22 @@
           <a:p>
             <a:pPr lvl="1"/>
             <a:r>
-              <a:rPr lang="en-US" dirty="0" smtClean="0"/>
-              <a:t>Rating</a:t>
-            </a:r>
-          </a:p>
-          <a:p>
-            <a:pPr lvl="1"/>
-            <a:r>
-              <a:rPr lang="en-US" dirty="0" smtClean="0"/>
-              <a:t>Tips</a:t>
-            </a:r>
-          </a:p>
-          <a:p>
-            <a:pPr lvl="1"/>
-            <a:r>
-              <a:rPr lang="en-US" dirty="0" smtClean="0"/>
-              <a:t>Environment and class rooms by Picture </a:t>
-            </a:r>
-          </a:p>
-          <a:p>
-            <a:pPr lvl="1"/>
-            <a:r>
-              <a:rPr lang="en-US" dirty="0" smtClean="0"/>
-              <a:t>Feedback Comments.</a:t>
-            </a:r>
-          </a:p>
-          <a:p>
-            <a:pPr marL="457200" lvl="1" indent="0">
-              <a:buNone/>
-            </a:pPr>
-            <a:endParaRPr lang="en-US" dirty="0"/>
+              <a:rPr lang="en-US" sz="2400" dirty="0"/>
+              <a:t>We will extract the school data for Saint John NB, area along with Users comments , rating , pictures </a:t>
+            </a:r>
+            <a:r>
+              <a:rPr lang="en-US" sz="2400" dirty="0" smtClean="0"/>
+              <a:t>, </a:t>
+            </a:r>
+            <a:r>
+              <a:rPr lang="en-US" sz="2400" dirty="0"/>
+              <a:t>tips </a:t>
+            </a:r>
+            <a:r>
+              <a:rPr lang="en-US" sz="2400" dirty="0" smtClean="0"/>
+              <a:t>and other important as well</a:t>
+            </a:r>
+            <a:endParaRPr lang="en-US" sz="2400" dirty="0" smtClean="0"/>
           </a:p>
         </p:txBody>
       </p:sp>
